--- a/final.pptx
+++ b/final.pptx
@@ -346,7 +346,7 @@
           <a:p>
             <a:fld id="{4BDF68E2-58F2-4D09-BE8B-E3BD06533059}" type="datetimeFigureOut">
               <a:rPr lang="en-US"/>
-              <a:t>6/12/17</a:t>
+              <a:t>6/23/17</a:t>
             </a:fld>
             <a:endParaRPr lang="en-US" dirty="0"/>
           </a:p>
@@ -549,7 +549,7 @@
           <a:p>
             <a:fld id="{2E2D6473-DF6D-4702-B328-E0DD40540A4E}" type="datetimeFigureOut">
               <a:rPr lang="en-US"/>
-              <a:t>6/12/17</a:t>
+              <a:t>6/23/17</a:t>
             </a:fld>
             <a:endParaRPr lang="en-US" dirty="0"/>
           </a:p>
@@ -800,7 +800,7 @@
           <a:p>
             <a:fld id="{E26F7E3A-B166-407D-9866-32884E7D5B37}" type="datetimeFigureOut">
               <a:rPr lang="en-US"/>
-              <a:t>6/12/17</a:t>
+              <a:t>6/23/17</a:t>
             </a:fld>
             <a:endParaRPr lang="en-US" dirty="0"/>
           </a:p>
@@ -969,7 +969,7 @@
           <a:p>
             <a:fld id="{528FC5F6-F338-4AE4-BB23-26385BCFC423}" type="datetimeFigureOut">
               <a:rPr lang="en-US"/>
-              <a:t>6/12/17</a:t>
+              <a:t>6/23/17</a:t>
             </a:fld>
             <a:endParaRPr lang="en-US" dirty="0"/>
           </a:p>
@@ -1307,7 +1307,7 @@
           <a:p>
             <a:fld id="{20EBB0C4-6273-4C6E-B9BD-2EDC30F1CD52}" type="datetimeFigureOut">
               <a:rPr lang="en-US"/>
-              <a:t>6/12/17</a:t>
+              <a:t>6/23/17</a:t>
             </a:fld>
             <a:endParaRPr lang="en-US" dirty="0"/>
           </a:p>
@@ -1577,7 +1577,7 @@
           <a:p>
             <a:fld id="{19AB4D41-86C1-4908-B66A-0B50CEB3BF29}" type="datetimeFigureOut">
               <a:rPr lang="en-US"/>
-              <a:t>6/12/17</a:t>
+              <a:t>6/23/17</a:t>
             </a:fld>
             <a:endParaRPr lang="en-US" dirty="0"/>
           </a:p>
@@ -1951,7 +1951,7 @@
           <a:p>
             <a:fld id="{E6426E2C-56C1-4E0D-A793-0088A7FDD37E}" type="datetimeFigureOut">
               <a:rPr lang="en-US"/>
-              <a:t>6/12/17</a:t>
+              <a:t>6/23/17</a:t>
             </a:fld>
             <a:endParaRPr lang="en-US" dirty="0"/>
           </a:p>
@@ -2064,7 +2064,7 @@
           <a:p>
             <a:fld id="{C8C39B41-D8B5-4052-B551-9B5525EAA8B6}" type="datetimeFigureOut">
               <a:rPr lang="en-US"/>
-              <a:t>6/12/17</a:t>
+              <a:t>6/23/17</a:t>
             </a:fld>
             <a:endParaRPr lang="en-US" dirty="0"/>
           </a:p>
@@ -2230,7 +2230,7 @@
           <a:p>
             <a:fld id="{4D94136C-8742-45B2-AF27-D93DF72833A9}" type="datetimeFigureOut">
               <a:rPr lang="en-US"/>
-              <a:t>6/12/17</a:t>
+              <a:t>6/23/17</a:t>
             </a:fld>
             <a:endParaRPr lang="en-US" dirty="0"/>
           </a:p>
@@ -2580,7 +2580,7 @@
           <a:p>
             <a:fld id="{32ABBEA6-7C60-4B02-AE87-00D78D8422AF}" type="datetimeFigureOut">
               <a:rPr lang="en-US"/>
-              <a:t>6/12/17</a:t>
+              <a:t>6/23/17</a:t>
             </a:fld>
             <a:endParaRPr lang="en-US" dirty="0"/>
           </a:p>
@@ -2955,7 +2955,7 @@
           <a:p>
             <a:fld id="{C9CAD897-D46E-4AD2-BD9B-49DD3E640873}" type="datetimeFigureOut">
               <a:rPr lang="en-US"/>
-              <a:t>6/12/17</a:t>
+              <a:t>6/23/17</a:t>
             </a:fld>
             <a:endParaRPr lang="en-US" dirty="0"/>
           </a:p>
@@ -3237,7 +3237,7 @@
           <a:p>
             <a:fld id="{98624D31-43A5-475A-80CF-332C9F6DCF35}" type="datetimeFigureOut">
               <a:rPr lang="en-US"/>
-              <a:t>6/12/17</a:t>
+              <a:t>6/23/17</a:t>
             </a:fld>
             <a:endParaRPr lang="en-US" dirty="0"/>
           </a:p>
@@ -3813,7 +3813,19 @@
           <a:p>
             <a:r>
               <a:rPr lang="nl-NL" dirty="0" smtClean="0"/>
-              <a:t>Joanneke E Jansen, July 2017</a:t>
+              <a:t>Joanneke E Jansen, </a:t>
+            </a:r>
+            <a:r>
+              <a:rPr lang="nl-NL" dirty="0" err="1" smtClean="0"/>
+              <a:t>JuNe</a:t>
+            </a:r>
+            <a:r>
+              <a:rPr lang="nl-NL" dirty="0" smtClean="0"/>
+              <a:t> </a:t>
+            </a:r>
+            <a:r>
+              <a:rPr lang="nl-NL" dirty="0" smtClean="0"/>
+              <a:t>2017</a:t>
             </a:r>
             <a:endParaRPr lang="nl-NL" dirty="0"/>
           </a:p>
@@ -4929,15 +4941,7 @@
             </a:r>
             <a:r>
               <a:rPr lang="nl-NL" dirty="0" smtClean="0"/>
-              <a:t> are varied between 90% - 110% of their original values, we find a unique mimimum for our </a:t>
-            </a:r>
-            <a:r>
-              <a:rPr lang="nl-NL" dirty="0" smtClean="0"/>
-              <a:t>functional when</a:t>
-            </a:r>
-            <a:r>
-              <a:rPr lang="nl-NL" dirty="0" smtClean="0"/>
-              <a:t> </a:t>
+              <a:t> are varied between 90% - 110% of their original values, we find a unique mimimum for our functional when </a:t>
             </a:r>
             <a:r>
               <a:rPr lang="nl-NL" dirty="0"/>
